--- a/Plots/Figures.pptx
+++ b/Plots/Figures.pptx
@@ -144,7 +144,7 @@
   <pc:docChgLst>
     <pc:chgData name="Abhinav Dahiya" userId="36c413f4-0d58-44c6-a769-5271ebcd0140" providerId="ADAL" clId="{BF0C81C0-9F18-4B48-9597-452EA61A2565}"/>
     <pc:docChg chg="undo redo custSel addSld delSld modSld sldOrd">
-      <pc:chgData name="Abhinav Dahiya" userId="36c413f4-0d58-44c6-a769-5271ebcd0140" providerId="ADAL" clId="{BF0C81C0-9F18-4B48-9597-452EA61A2565}" dt="2023-03-31T01:37:24.125" v="2763" actId="13822"/>
+      <pc:chgData name="Abhinav Dahiya" userId="36c413f4-0d58-44c6-a769-5271ebcd0140" providerId="ADAL" clId="{BF0C81C0-9F18-4B48-9597-452EA61A2565}" dt="2023-04-03T16:33:18.442" v="2767" actId="732"/>
       <pc:docMkLst>
         <pc:docMk/>
       </pc:docMkLst>
@@ -2310,13 +2310,13 @@
         </pc:cxnChg>
       </pc:sldChg>
       <pc:sldChg chg="addSp delSp modSp add mod">
-        <pc:chgData name="Abhinav Dahiya" userId="36c413f4-0d58-44c6-a769-5271ebcd0140" providerId="ADAL" clId="{BF0C81C0-9F18-4B48-9597-452EA61A2565}" dt="2023-03-30T21:09:22.267" v="1977" actId="208"/>
+        <pc:chgData name="Abhinav Dahiya" userId="36c413f4-0d58-44c6-a769-5271ebcd0140" providerId="ADAL" clId="{BF0C81C0-9F18-4B48-9597-452EA61A2565}" dt="2023-04-03T16:33:18.442" v="2767" actId="732"/>
         <pc:sldMkLst>
           <pc:docMk/>
           <pc:sldMk cId="139779007" sldId="268"/>
         </pc:sldMkLst>
-        <pc:picChg chg="add mod">
-          <ac:chgData name="Abhinav Dahiya" userId="36c413f4-0d58-44c6-a769-5271ebcd0140" providerId="ADAL" clId="{BF0C81C0-9F18-4B48-9597-452EA61A2565}" dt="2023-03-30T21:09:22.267" v="1977" actId="208"/>
+        <pc:picChg chg="add mod modCrop">
+          <ac:chgData name="Abhinav Dahiya" userId="36c413f4-0d58-44c6-a769-5271ebcd0140" providerId="ADAL" clId="{BF0C81C0-9F18-4B48-9597-452EA61A2565}" dt="2023-04-03T16:33:18.442" v="2767" actId="732"/>
           <ac:picMkLst>
             <pc:docMk/>
             <pc:sldMk cId="139779007" sldId="268"/>
@@ -3574,7 +3574,7 @@
           <a:p>
             <a:fld id="{037057A9-93AA-4D48-8853-39427F52804E}" type="datetimeFigureOut">
               <a:rPr lang="en-US" smtClean="0"/>
-              <a:t>3/30/2023</a:t>
+              <a:t>4/3/2023</a:t>
             </a:fld>
             <a:endParaRPr lang="en-US"/>
           </a:p>
@@ -4660,7 +4660,7 @@
           <a:p>
             <a:fld id="{09B8065A-5B33-7E4B-B382-D0D657F627F0}" type="datetimeFigureOut">
               <a:rPr lang="en-US" smtClean="0"/>
-              <a:t>3/30/2023</a:t>
+              <a:t>4/3/2023</a:t>
             </a:fld>
             <a:endParaRPr lang="en-US"/>
           </a:p>
@@ -4858,7 +4858,7 @@
           <a:p>
             <a:fld id="{09B8065A-5B33-7E4B-B382-D0D657F627F0}" type="datetimeFigureOut">
               <a:rPr lang="en-US" smtClean="0"/>
-              <a:t>3/30/2023</a:t>
+              <a:t>4/3/2023</a:t>
             </a:fld>
             <a:endParaRPr lang="en-US"/>
           </a:p>
@@ -5066,7 +5066,7 @@
           <a:p>
             <a:fld id="{09B8065A-5B33-7E4B-B382-D0D657F627F0}" type="datetimeFigureOut">
               <a:rPr lang="en-US" smtClean="0"/>
-              <a:t>3/30/2023</a:t>
+              <a:t>4/3/2023</a:t>
             </a:fld>
             <a:endParaRPr lang="en-US"/>
           </a:p>
@@ -5264,7 +5264,7 @@
           <a:p>
             <a:fld id="{09B8065A-5B33-7E4B-B382-D0D657F627F0}" type="datetimeFigureOut">
               <a:rPr lang="en-US" smtClean="0"/>
-              <a:t>3/30/2023</a:t>
+              <a:t>4/3/2023</a:t>
             </a:fld>
             <a:endParaRPr lang="en-US"/>
           </a:p>
@@ -5539,7 +5539,7 @@
           <a:p>
             <a:fld id="{09B8065A-5B33-7E4B-B382-D0D657F627F0}" type="datetimeFigureOut">
               <a:rPr lang="en-US" smtClean="0"/>
-              <a:t>3/30/2023</a:t>
+              <a:t>4/3/2023</a:t>
             </a:fld>
             <a:endParaRPr lang="en-US"/>
           </a:p>
@@ -5804,7 +5804,7 @@
           <a:p>
             <a:fld id="{09B8065A-5B33-7E4B-B382-D0D657F627F0}" type="datetimeFigureOut">
               <a:rPr lang="en-US" smtClean="0"/>
-              <a:t>3/30/2023</a:t>
+              <a:t>4/3/2023</a:t>
             </a:fld>
             <a:endParaRPr lang="en-US"/>
           </a:p>
@@ -6216,7 +6216,7 @@
           <a:p>
             <a:fld id="{09B8065A-5B33-7E4B-B382-D0D657F627F0}" type="datetimeFigureOut">
               <a:rPr lang="en-US" smtClean="0"/>
-              <a:t>3/30/2023</a:t>
+              <a:t>4/3/2023</a:t>
             </a:fld>
             <a:endParaRPr lang="en-US"/>
           </a:p>
@@ -6357,7 +6357,7 @@
           <a:p>
             <a:fld id="{09B8065A-5B33-7E4B-B382-D0D657F627F0}" type="datetimeFigureOut">
               <a:rPr lang="en-US" smtClean="0"/>
-              <a:t>3/30/2023</a:t>
+              <a:t>4/3/2023</a:t>
             </a:fld>
             <a:endParaRPr lang="en-US"/>
           </a:p>
@@ -6470,7 +6470,7 @@
           <a:p>
             <a:fld id="{09B8065A-5B33-7E4B-B382-D0D657F627F0}" type="datetimeFigureOut">
               <a:rPr lang="en-US" smtClean="0"/>
-              <a:t>3/30/2023</a:t>
+              <a:t>4/3/2023</a:t>
             </a:fld>
             <a:endParaRPr lang="en-US"/>
           </a:p>
@@ -6781,7 +6781,7 @@
           <a:p>
             <a:fld id="{09B8065A-5B33-7E4B-B382-D0D657F627F0}" type="datetimeFigureOut">
               <a:rPr lang="en-US" smtClean="0"/>
-              <a:t>3/30/2023</a:t>
+              <a:t>4/3/2023</a:t>
             </a:fld>
             <a:endParaRPr lang="en-US"/>
           </a:p>
@@ -7069,7 +7069,7 @@
           <a:p>
             <a:fld id="{09B8065A-5B33-7E4B-B382-D0D657F627F0}" type="datetimeFigureOut">
               <a:rPr lang="en-US" smtClean="0"/>
-              <a:t>3/30/2023</a:t>
+              <a:t>4/3/2023</a:t>
             </a:fld>
             <a:endParaRPr lang="en-US"/>
           </a:p>
@@ -7310,7 +7310,7 @@
           <a:p>
             <a:fld id="{09B8065A-5B33-7E4B-B382-D0D657F627F0}" type="datetimeFigureOut">
               <a:rPr lang="en-US" smtClean="0"/>
-              <a:t>3/30/2023</a:t>
+              <a:t>4/3/2023</a:t>
             </a:fld>
             <a:endParaRPr lang="en-US"/>
           </a:p>
@@ -13741,21 +13741,20 @@
           </p:cNvPicPr>
           <p:nvPr/>
         </p:nvPicPr>
-        <p:blipFill>
+        <p:blipFill rotWithShape="1">
           <a:blip r:embed="rId3"/>
-          <a:stretch>
-            <a:fillRect/>
-          </a:stretch>
+          <a:srcRect l="2826" t="2826"/>
+          <a:stretch/>
         </p:blipFill>
         <p:spPr>
           <a:xfrm>
-            <a:off x="1943100" y="904875"/>
-            <a:ext cx="8305800" cy="5048250"/>
+            <a:off x="2177864" y="1047565"/>
+            <a:ext cx="8071035" cy="4905560"/>
           </a:xfrm>
           <a:prstGeom prst="rect">
             <a:avLst/>
           </a:prstGeom>
-          <a:ln>
+          <a:ln w="38100">
             <a:solidFill>
               <a:schemeClr val="tx1"/>
             </a:solidFill>
